--- a/Presentation/6 Nov/Final Presentation.pptx
+++ b/Presentation/6 Nov/Final Presentation.pptx
@@ -149,7 +149,7 @@
 <file path=ppt/charts/chart1.xml><?xml version="1.0" encoding="utf-8"?>
 <c:chartSpace xmlns:c="http://schemas.openxmlformats.org/drawingml/2006/chart" xmlns:a="http://schemas.openxmlformats.org/drawingml/2006/main" xmlns:r="http://schemas.openxmlformats.org/officeDocument/2006/relationships">
   <c:date1904 val="1"/>
-  <c:lang val="en-GB"/>
+  <c:lang val="en-ZA"/>
   <c:chart>
     <c:title>
       <c:tx>
@@ -184,7 +184,6 @@
           </a:p>
         </c:rich>
       </c:tx>
-      <c:layout/>
     </c:title>
     <c:view3D>
       <c:rotX val="75"/>
@@ -280,7 +279,6 @@
     </c:plotArea>
     <c:legend>
       <c:legendPos val="r"/>
-      <c:layout/>
       <c:txPr>
         <a:bodyPr/>
         <a:lstStyle/>
@@ -308,7 +306,7 @@
 <file path=ppt/charts/chart10.xml><?xml version="1.0" encoding="utf-8"?>
 <c:chartSpace xmlns:c="http://schemas.openxmlformats.org/drawingml/2006/chart" xmlns:a="http://schemas.openxmlformats.org/drawingml/2006/main" xmlns:r="http://schemas.openxmlformats.org/officeDocument/2006/relationships">
   <c:date1904 val="1"/>
-  <c:lang val="en-GB"/>
+  <c:lang val="en-ZA"/>
   <c:chart>
     <c:title>
       <c:tx>
@@ -347,7 +345,6 @@
           </a:p>
         </c:rich>
       </c:tx>
-      <c:layout/>
     </c:title>
     <c:view3D>
       <c:rAngAx val="1"/>
@@ -502,12 +499,12 @@
           </c:val>
         </c:ser>
         <c:shape val="box"/>
-        <c:axId val="95014912"/>
-        <c:axId val="95016832"/>
+        <c:axId val="79646080"/>
+        <c:axId val="79652352"/>
         <c:axId val="0"/>
       </c:bar3DChart>
       <c:catAx>
-        <c:axId val="95014912"/>
+        <c:axId val="79646080"/>
         <c:scaling>
           <c:orientation val="minMax"/>
         </c:scaling>
@@ -528,7 +525,6 @@
               </a:p>
             </c:rich>
           </c:tx>
-          <c:layout/>
         </c:title>
         <c:numFmt formatCode="General" sourceLinked="1"/>
         <c:majorTickMark val="none"/>
@@ -543,14 +539,14 @@
             <a:endParaRPr lang="en-US"/>
           </a:p>
         </c:txPr>
-        <c:crossAx val="95016832"/>
+        <c:crossAx val="79652352"/>
         <c:crosses val="autoZero"/>
         <c:auto val="1"/>
         <c:lblAlgn val="ctr"/>
         <c:lblOffset val="100"/>
       </c:catAx>
       <c:valAx>
-        <c:axId val="95016832"/>
+        <c:axId val="79652352"/>
         <c:scaling>
           <c:orientation val="minMax"/>
         </c:scaling>
@@ -572,7 +568,6 @@
               </a:p>
             </c:rich>
           </c:tx>
-          <c:layout/>
         </c:title>
         <c:numFmt formatCode="General" sourceLinked="1"/>
         <c:tickLblPos val="nextTo"/>
@@ -586,14 +581,13 @@
             <a:endParaRPr lang="en-US"/>
           </a:p>
         </c:txPr>
-        <c:crossAx val="95014912"/>
+        <c:crossAx val="79646080"/>
         <c:crosses val="autoZero"/>
         <c:crossBetween val="between"/>
       </c:valAx>
     </c:plotArea>
     <c:legend>
       <c:legendPos val="r"/>
-      <c:layout/>
       <c:txPr>
         <a:bodyPr/>
         <a:lstStyle/>
@@ -621,7 +615,7 @@
 <file path=ppt/charts/chart2.xml><?xml version="1.0" encoding="utf-8"?>
 <c:chartSpace xmlns:c="http://schemas.openxmlformats.org/drawingml/2006/chart" xmlns:a="http://schemas.openxmlformats.org/drawingml/2006/main" xmlns:r="http://schemas.openxmlformats.org/officeDocument/2006/relationships">
   <c:date1904 val="1"/>
-  <c:lang val="en-GB"/>
+  <c:lang val="en-ZA"/>
   <c:chart>
     <c:title>
       <c:tx>
@@ -648,7 +642,6 @@
           </a:p>
         </c:rich>
       </c:tx>
-      <c:layout/>
     </c:title>
     <c:view3D>
       <c:rotX val="75"/>
@@ -744,7 +737,6 @@
     </c:plotArea>
     <c:legend>
       <c:legendPos val="r"/>
-      <c:layout/>
       <c:txPr>
         <a:bodyPr/>
         <a:lstStyle/>
@@ -772,7 +764,7 @@
 <file path=ppt/charts/chart3.xml><?xml version="1.0" encoding="utf-8"?>
 <c:chartSpace xmlns:c="http://schemas.openxmlformats.org/drawingml/2006/chart" xmlns:a="http://schemas.openxmlformats.org/drawingml/2006/main" xmlns:r="http://schemas.openxmlformats.org/officeDocument/2006/relationships">
   <c:date1904 val="1"/>
-  <c:lang val="en-GB"/>
+  <c:lang val="en-ZA"/>
   <c:chart>
     <c:title>
       <c:tx>
@@ -790,7 +782,6 @@
           </a:p>
         </c:rich>
       </c:tx>
-      <c:layout/>
     </c:title>
     <c:view3D>
       <c:rAngAx val="1"/>
@@ -848,12 +839,12 @@
           </c:val>
         </c:ser>
         <c:shape val="box"/>
-        <c:axId val="91545600"/>
-        <c:axId val="91547520"/>
+        <c:axId val="79089024"/>
+        <c:axId val="79169024"/>
         <c:axId val="0"/>
       </c:bar3DChart>
       <c:catAx>
-        <c:axId val="91545600"/>
+        <c:axId val="79089024"/>
         <c:scaling>
           <c:orientation val="minMax"/>
         </c:scaling>
@@ -879,7 +870,6 @@
               </a:p>
             </c:rich>
           </c:tx>
-          <c:layout/>
         </c:title>
         <c:majorTickMark val="none"/>
         <c:tickLblPos val="nextTo"/>
@@ -893,14 +883,14 @@
             <a:endParaRPr lang="en-US"/>
           </a:p>
         </c:txPr>
-        <c:crossAx val="91547520"/>
+        <c:crossAx val="79169024"/>
         <c:crosses val="autoZero"/>
         <c:auto val="1"/>
         <c:lblAlgn val="ctr"/>
         <c:lblOffset val="100"/>
       </c:catAx>
       <c:valAx>
-        <c:axId val="91547520"/>
+        <c:axId val="79169024"/>
         <c:scaling>
           <c:orientation val="minMax"/>
         </c:scaling>
@@ -927,7 +917,6 @@
               </a:p>
             </c:rich>
           </c:tx>
-          <c:layout/>
         </c:title>
         <c:numFmt formatCode="General" sourceLinked="1"/>
         <c:tickLblPos val="nextTo"/>
@@ -941,7 +930,7 @@
             <a:endParaRPr lang="en-US"/>
           </a:p>
         </c:txPr>
-        <c:crossAx val="91545600"/>
+        <c:crossAx val="79089024"/>
         <c:crosses val="autoZero"/>
         <c:crossBetween val="between"/>
       </c:valAx>
@@ -962,7 +951,7 @@
 <file path=ppt/charts/chart4.xml><?xml version="1.0" encoding="utf-8"?>
 <c:chartSpace xmlns:c="http://schemas.openxmlformats.org/drawingml/2006/chart" xmlns:a="http://schemas.openxmlformats.org/drawingml/2006/main" xmlns:r="http://schemas.openxmlformats.org/officeDocument/2006/relationships">
   <c:date1904 val="1"/>
-  <c:lang val="en-GB"/>
+  <c:lang val="en-ZA"/>
   <c:chart>
     <c:title>
       <c:tx>
@@ -980,7 +969,6 @@
           </a:p>
         </c:rich>
       </c:tx>
-      <c:layout/>
     </c:title>
     <c:view3D>
       <c:rotX val="75"/>
@@ -1076,7 +1064,6 @@
     </c:plotArea>
     <c:legend>
       <c:legendPos val="r"/>
-      <c:layout/>
       <c:txPr>
         <a:bodyPr/>
         <a:lstStyle/>
@@ -1104,7 +1091,7 @@
 <file path=ppt/charts/chart5.xml><?xml version="1.0" encoding="utf-8"?>
 <c:chartSpace xmlns:c="http://schemas.openxmlformats.org/drawingml/2006/chart" xmlns:a="http://schemas.openxmlformats.org/drawingml/2006/main" xmlns:r="http://schemas.openxmlformats.org/officeDocument/2006/relationships">
   <c:date1904 val="1"/>
-  <c:lang val="en-GB"/>
+  <c:lang val="en-ZA"/>
   <c:chart>
     <c:title>
       <c:tx>
@@ -1122,7 +1109,6 @@
           </a:p>
         </c:rich>
       </c:tx>
-      <c:layout/>
     </c:title>
     <c:view3D>
       <c:rotX val="75"/>
@@ -1210,7 +1196,6 @@
     </c:plotArea>
     <c:legend>
       <c:legendPos val="r"/>
-      <c:layout/>
       <c:txPr>
         <a:bodyPr/>
         <a:lstStyle/>
@@ -1238,7 +1223,7 @@
 <file path=ppt/charts/chart6.xml><?xml version="1.0" encoding="utf-8"?>
 <c:chartSpace xmlns:c="http://schemas.openxmlformats.org/drawingml/2006/chart" xmlns:a="http://schemas.openxmlformats.org/drawingml/2006/main" xmlns:r="http://schemas.openxmlformats.org/officeDocument/2006/relationships">
   <c:date1904 val="1"/>
-  <c:lang val="en-GB"/>
+  <c:lang val="en-ZA"/>
   <c:chart>
     <c:title>
       <c:tx>
@@ -1256,7 +1241,6 @@
           </a:p>
         </c:rich>
       </c:tx>
-      <c:layout/>
     </c:title>
     <c:view3D>
       <c:rAngAx val="1"/>
@@ -1314,12 +1298,12 @@
           </c:val>
         </c:ser>
         <c:shape val="box"/>
-        <c:axId val="93734400"/>
-        <c:axId val="93736320"/>
+        <c:axId val="79307904"/>
+        <c:axId val="79309824"/>
         <c:axId val="0"/>
       </c:bar3DChart>
       <c:catAx>
-        <c:axId val="93734400"/>
+        <c:axId val="79307904"/>
         <c:scaling>
           <c:orientation val="minMax"/>
         </c:scaling>
@@ -1340,7 +1324,6 @@
               </a:p>
             </c:rich>
           </c:tx>
-          <c:layout/>
         </c:title>
         <c:majorTickMark val="none"/>
         <c:tickLblPos val="nextTo"/>
@@ -1354,14 +1337,14 @@
             <a:endParaRPr lang="en-US"/>
           </a:p>
         </c:txPr>
-        <c:crossAx val="93736320"/>
+        <c:crossAx val="79309824"/>
         <c:crosses val="autoZero"/>
         <c:auto val="1"/>
         <c:lblAlgn val="ctr"/>
         <c:lblOffset val="100"/>
       </c:catAx>
       <c:valAx>
-        <c:axId val="93736320"/>
+        <c:axId val="79309824"/>
         <c:scaling>
           <c:orientation val="minMax"/>
         </c:scaling>
@@ -1388,7 +1371,6 @@
               </a:p>
             </c:rich>
           </c:tx>
-          <c:layout/>
         </c:title>
         <c:numFmt formatCode="General" sourceLinked="1"/>
         <c:tickLblPos val="nextTo"/>
@@ -1402,7 +1384,7 @@
             <a:endParaRPr lang="en-US"/>
           </a:p>
         </c:txPr>
-        <c:crossAx val="93734400"/>
+        <c:crossAx val="79307904"/>
         <c:crosses val="autoZero"/>
         <c:crossBetween val="between"/>
       </c:valAx>
@@ -1423,7 +1405,7 @@
 <file path=ppt/charts/chart7.xml><?xml version="1.0" encoding="utf-8"?>
 <c:chartSpace xmlns:c="http://schemas.openxmlformats.org/drawingml/2006/chart" xmlns:a="http://schemas.openxmlformats.org/drawingml/2006/main" xmlns:r="http://schemas.openxmlformats.org/officeDocument/2006/relationships">
   <c:date1904 val="1"/>
-  <c:lang val="en-GB"/>
+  <c:lang val="en-ZA"/>
   <c:chart>
     <c:title>
       <c:tx>
@@ -1446,7 +1428,6 @@
           </a:p>
         </c:rich>
       </c:tx>
-      <c:layout/>
     </c:title>
     <c:view3D>
       <c:rAngAx val="1"/>
@@ -1517,12 +1498,12 @@
           </c:val>
         </c:ser>
         <c:shape val="box"/>
-        <c:axId val="91378816"/>
-        <c:axId val="91380736"/>
+        <c:axId val="79360768"/>
+        <c:axId val="79362688"/>
         <c:axId val="0"/>
       </c:bar3DChart>
       <c:catAx>
-        <c:axId val="91378816"/>
+        <c:axId val="79360768"/>
         <c:scaling>
           <c:orientation val="minMax"/>
         </c:scaling>
@@ -1543,7 +1524,6 @@
               </a:p>
             </c:rich>
           </c:tx>
-          <c:layout/>
         </c:title>
         <c:numFmt formatCode="General" sourceLinked="1"/>
         <c:majorTickMark val="none"/>
@@ -1558,14 +1538,14 @@
             <a:endParaRPr lang="en-US"/>
           </a:p>
         </c:txPr>
-        <c:crossAx val="91380736"/>
+        <c:crossAx val="79362688"/>
         <c:crosses val="autoZero"/>
         <c:auto val="1"/>
         <c:lblAlgn val="ctr"/>
         <c:lblOffset val="100"/>
       </c:catAx>
       <c:valAx>
-        <c:axId val="91380736"/>
+        <c:axId val="79362688"/>
         <c:scaling>
           <c:orientation val="minMax"/>
         </c:scaling>
@@ -1587,7 +1567,6 @@
               </a:p>
             </c:rich>
           </c:tx>
-          <c:layout/>
         </c:title>
         <c:numFmt formatCode="General" sourceLinked="1"/>
         <c:tickLblPos val="nextTo"/>
@@ -1601,14 +1580,13 @@
             <a:endParaRPr lang="en-US"/>
           </a:p>
         </c:txPr>
-        <c:crossAx val="91378816"/>
+        <c:crossAx val="79360768"/>
         <c:crosses val="autoZero"/>
         <c:crossBetween val="between"/>
       </c:valAx>
     </c:plotArea>
     <c:legend>
       <c:legendPos val="r"/>
-      <c:layout/>
       <c:txPr>
         <a:bodyPr/>
         <a:lstStyle/>
@@ -1636,7 +1614,7 @@
 <file path=ppt/charts/chart8.xml><?xml version="1.0" encoding="utf-8"?>
 <c:chartSpace xmlns:c="http://schemas.openxmlformats.org/drawingml/2006/chart" xmlns:a="http://schemas.openxmlformats.org/drawingml/2006/main" xmlns:r="http://schemas.openxmlformats.org/officeDocument/2006/relationships">
   <c:date1904 val="1"/>
-  <c:lang val="en-GB"/>
+  <c:lang val="en-ZA"/>
   <c:chart>
     <c:title>
       <c:tx>
@@ -1659,7 +1637,6 @@
           </a:p>
         </c:rich>
       </c:tx>
-      <c:layout/>
     </c:title>
     <c:view3D>
       <c:rAngAx val="1"/>
@@ -1838,12 +1815,12 @@
           </c:val>
         </c:ser>
         <c:shape val="box"/>
-        <c:axId val="94570368"/>
-        <c:axId val="94597120"/>
+        <c:axId val="79508992"/>
+        <c:axId val="79510912"/>
         <c:axId val="0"/>
       </c:bar3DChart>
       <c:catAx>
-        <c:axId val="94570368"/>
+        <c:axId val="79508992"/>
         <c:scaling>
           <c:orientation val="minMax"/>
         </c:scaling>
@@ -1864,7 +1841,6 @@
               </a:p>
             </c:rich>
           </c:tx>
-          <c:layout/>
         </c:title>
         <c:numFmt formatCode="General" sourceLinked="1"/>
         <c:majorTickMark val="none"/>
@@ -1879,14 +1855,14 @@
             <a:endParaRPr lang="en-US"/>
           </a:p>
         </c:txPr>
-        <c:crossAx val="94597120"/>
+        <c:crossAx val="79510912"/>
         <c:crosses val="autoZero"/>
         <c:auto val="1"/>
         <c:lblAlgn val="ctr"/>
         <c:lblOffset val="100"/>
       </c:catAx>
       <c:valAx>
-        <c:axId val="94597120"/>
+        <c:axId val="79510912"/>
         <c:scaling>
           <c:orientation val="minMax"/>
         </c:scaling>
@@ -1908,7 +1884,6 @@
               </a:p>
             </c:rich>
           </c:tx>
-          <c:layout/>
         </c:title>
         <c:numFmt formatCode="General" sourceLinked="1"/>
         <c:tickLblPos val="nextTo"/>
@@ -1922,14 +1897,13 @@
             <a:endParaRPr lang="en-US"/>
           </a:p>
         </c:txPr>
-        <c:crossAx val="94570368"/>
+        <c:crossAx val="79508992"/>
         <c:crosses val="autoZero"/>
         <c:crossBetween val="between"/>
       </c:valAx>
     </c:plotArea>
     <c:legend>
       <c:legendPos val="r"/>
-      <c:layout/>
       <c:txPr>
         <a:bodyPr/>
         <a:lstStyle/>
@@ -1957,7 +1931,7 @@
 <file path=ppt/charts/chart9.xml><?xml version="1.0" encoding="utf-8"?>
 <c:chartSpace xmlns:c="http://schemas.openxmlformats.org/drawingml/2006/chart" xmlns:a="http://schemas.openxmlformats.org/drawingml/2006/main" xmlns:r="http://schemas.openxmlformats.org/officeDocument/2006/relationships">
   <c:date1904 val="1"/>
-  <c:lang val="en-GB"/>
+  <c:lang val="en-ZA"/>
   <c:chart>
     <c:title>
       <c:tx>
@@ -1980,7 +1954,6 @@
           </a:p>
         </c:rich>
       </c:tx>
-      <c:layout/>
     </c:title>
     <c:view3D>
       <c:rAngAx val="1"/>
@@ -2070,12 +2043,12 @@
           </c:val>
         </c:ser>
         <c:shape val="box"/>
-        <c:axId val="93809664"/>
-        <c:axId val="93820032"/>
+        <c:axId val="79440512"/>
+        <c:axId val="79446784"/>
         <c:axId val="0"/>
       </c:bar3DChart>
       <c:catAx>
-        <c:axId val="93809664"/>
+        <c:axId val="79440512"/>
         <c:scaling>
           <c:orientation val="minMax"/>
         </c:scaling>
@@ -2096,7 +2069,6 @@
               </a:p>
             </c:rich>
           </c:tx>
-          <c:layout/>
         </c:title>
         <c:majorTickMark val="none"/>
         <c:tickLblPos val="nextTo"/>
@@ -2110,14 +2082,14 @@
             <a:endParaRPr lang="en-US"/>
           </a:p>
         </c:txPr>
-        <c:crossAx val="93820032"/>
+        <c:crossAx val="79446784"/>
         <c:crosses val="autoZero"/>
         <c:auto val="1"/>
         <c:lblAlgn val="ctr"/>
         <c:lblOffset val="100"/>
       </c:catAx>
       <c:valAx>
-        <c:axId val="93820032"/>
+        <c:axId val="79446784"/>
         <c:scaling>
           <c:orientation val="minMax"/>
         </c:scaling>
@@ -2139,7 +2111,6 @@
               </a:p>
             </c:rich>
           </c:tx>
-          <c:layout/>
         </c:title>
         <c:numFmt formatCode="General" sourceLinked="1"/>
         <c:tickLblPos val="nextTo"/>
@@ -2153,14 +2124,13 @@
             <a:endParaRPr lang="en-US"/>
           </a:p>
         </c:txPr>
-        <c:crossAx val="93809664"/>
+        <c:crossAx val="79440512"/>
         <c:crosses val="autoZero"/>
         <c:crossBetween val="between"/>
       </c:valAx>
     </c:plotArea>
     <c:legend>
       <c:legendPos val="r"/>
-      <c:layout/>
       <c:txPr>
         <a:bodyPr/>
         <a:lstStyle/>
@@ -17988,19 +17958,8 @@
                 <a:latin typeface="Arial" pitchFamily="34" charset="0"/>
                 <a:cs typeface="Arial" pitchFamily="34" charset="0"/>
               </a:rPr>
-              <a:t>Iteration </a:t>
-            </a:r>
-            <a:r>
-              <a:rPr lang="en-US" sz="3200" dirty="0" smtClean="0">
-                <a:latin typeface="Arial" pitchFamily="34" charset="0"/>
-                <a:cs typeface="Arial" pitchFamily="34" charset="0"/>
-              </a:rPr>
-              <a:t>2</a:t>
-            </a:r>
-            <a:endParaRPr lang="en-US" sz="3200" dirty="0" smtClean="0">
-              <a:latin typeface="Arial" pitchFamily="34" charset="0"/>
-              <a:cs typeface="Arial" pitchFamily="34" charset="0"/>
-            </a:endParaRPr>
+              <a:t>Iteration 2</a:t>
+            </a:r>
           </a:p>
         </p:txBody>
       </p:sp>
@@ -21172,260 +21131,42 @@
         </p:spPr>
         <p:txBody>
           <a:bodyPr vert="horz">
-            <a:normAutofit/>
+            <a:normAutofit fontScale="47500" lnSpcReduction="20000"/>
           </a:bodyPr>
           <a:lstStyle/>
           <a:p>
-            <a:pPr marL="658368" lvl="1" indent="-246888" algn="just">
-              <a:spcBef>
-                <a:spcPts val="300"/>
-              </a:spcBef>
-            </a:pPr>
-            <a:r>
-              <a:rPr lang="en-GB" sz="800" dirty="0" smtClean="0">
-                <a:latin typeface="Arial" pitchFamily="34" charset="0"/>
-                <a:cs typeface="Arial" pitchFamily="34" charset="0"/>
-              </a:rPr>
-              <a:t>Anderson </a:t>
-            </a:r>
-            <a:r>
-              <a:rPr lang="en-GB" sz="800" dirty="0">
-                <a:latin typeface="Arial" pitchFamily="34" charset="0"/>
-                <a:cs typeface="Arial" pitchFamily="34" charset="0"/>
-              </a:rPr>
-              <a:t>S, </a:t>
-            </a:r>
-            <a:r>
-              <a:rPr lang="en-GB" sz="800" dirty="0" err="1">
-                <a:latin typeface="Arial" pitchFamily="34" charset="0"/>
-                <a:cs typeface="Arial" pitchFamily="34" charset="0"/>
-              </a:rPr>
-              <a:t>Liberman</a:t>
-            </a:r>
-            <a:r>
-              <a:rPr lang="en-GB" sz="800" dirty="0">
-                <a:latin typeface="Arial" pitchFamily="34" charset="0"/>
-                <a:cs typeface="Arial" pitchFamily="34" charset="0"/>
-              </a:rPr>
-              <a:t> N, Bernstein E, </a:t>
-            </a:r>
-            <a:r>
-              <a:rPr lang="en-GB" sz="800" dirty="0" smtClean="0">
-                <a:latin typeface="Arial" pitchFamily="34" charset="0"/>
-                <a:cs typeface="Arial" pitchFamily="34" charset="0"/>
-              </a:rPr>
-              <a:t>Foster S, </a:t>
-            </a:r>
-            <a:r>
-              <a:rPr lang="en-GB" sz="800" dirty="0" err="1" smtClean="0">
-                <a:latin typeface="Arial" pitchFamily="34" charset="0"/>
-                <a:cs typeface="Arial" pitchFamily="34" charset="0"/>
-              </a:rPr>
-              <a:t>Cate</a:t>
-            </a:r>
-            <a:r>
-              <a:rPr lang="en-GB" sz="800" dirty="0" smtClean="0">
-                <a:latin typeface="Arial" pitchFamily="34" charset="0"/>
-                <a:cs typeface="Arial" pitchFamily="34" charset="0"/>
-              </a:rPr>
-              <a:t> E</a:t>
-            </a:r>
-            <a:r>
-              <a:rPr lang="en-GB" sz="800" dirty="0">
-                <a:latin typeface="Arial" pitchFamily="34" charset="0"/>
-                <a:cs typeface="Arial" pitchFamily="34" charset="0"/>
-              </a:rPr>
-              <a:t>, Levin B. </a:t>
-            </a:r>
-            <a:r>
-              <a:rPr lang="en-GB" sz="800" i="1" dirty="0">
-                <a:latin typeface="Arial" pitchFamily="34" charset="0"/>
-                <a:cs typeface="Arial" pitchFamily="34" charset="0"/>
-              </a:rPr>
-              <a:t>Recognition of </a:t>
-            </a:r>
-            <a:r>
-              <a:rPr lang="en-GB" sz="800" i="1" dirty="0" smtClean="0">
-                <a:latin typeface="Arial" pitchFamily="34" charset="0"/>
-                <a:cs typeface="Arial" pitchFamily="34" charset="0"/>
-              </a:rPr>
-              <a:t>elderly speech </a:t>
-            </a:r>
-            <a:r>
-              <a:rPr lang="en-GB" sz="800" i="1" dirty="0">
-                <a:latin typeface="Arial" pitchFamily="34" charset="0"/>
-                <a:cs typeface="Arial" pitchFamily="34" charset="0"/>
-              </a:rPr>
-              <a:t>and </a:t>
-            </a:r>
-            <a:r>
-              <a:rPr lang="en-GB" sz="800" i="1" dirty="0" smtClean="0">
-                <a:latin typeface="Arial" pitchFamily="34" charset="0"/>
-                <a:cs typeface="Arial" pitchFamily="34" charset="0"/>
-              </a:rPr>
-              <a:t>   voice-driven </a:t>
-            </a:r>
-            <a:r>
-              <a:rPr lang="en-GB" sz="800" i="1" dirty="0">
-                <a:latin typeface="Arial" pitchFamily="34" charset="0"/>
-                <a:cs typeface="Arial" pitchFamily="34" charset="0"/>
-              </a:rPr>
-              <a:t>document </a:t>
-            </a:r>
-            <a:r>
-              <a:rPr lang="en-GB" sz="800" i="1" dirty="0" smtClean="0">
-                <a:latin typeface="Arial" pitchFamily="34" charset="0"/>
-                <a:cs typeface="Arial" pitchFamily="34" charset="0"/>
-              </a:rPr>
-              <a:t>retrieval.</a:t>
-            </a:r>
-            <a:r>
-              <a:rPr lang="en-GB" sz="800" dirty="0" smtClean="0">
-                <a:latin typeface="Arial" pitchFamily="34" charset="0"/>
-                <a:cs typeface="Arial" pitchFamily="34" charset="0"/>
-              </a:rPr>
-              <a:t> Dragon Systems, Inc</a:t>
-            </a:r>
-            <a:r>
-              <a:rPr lang="en-GB" sz="800" dirty="0">
-                <a:latin typeface="Arial" pitchFamily="34" charset="0"/>
-                <a:cs typeface="Arial" pitchFamily="34" charset="0"/>
-              </a:rPr>
-              <a:t>, </a:t>
-            </a:r>
-            <a:r>
-              <a:rPr lang="en-GB" sz="800" dirty="0" smtClean="0">
-                <a:latin typeface="Arial" pitchFamily="34" charset="0"/>
-                <a:cs typeface="Arial" pitchFamily="34" charset="0"/>
-              </a:rPr>
-              <a:t>1999 IEEE</a:t>
-            </a:r>
-            <a:r>
-              <a:rPr lang="en-GB" sz="800" dirty="0">
-                <a:latin typeface="Arial" pitchFamily="34" charset="0"/>
-                <a:cs typeface="Arial" pitchFamily="34" charset="0"/>
-              </a:rPr>
-              <a:t>, pp </a:t>
-            </a:r>
-            <a:r>
-              <a:rPr lang="en-GB" sz="800" dirty="0" smtClean="0">
-                <a:latin typeface="Arial" pitchFamily="34" charset="0"/>
-                <a:cs typeface="Arial" pitchFamily="34" charset="0"/>
-              </a:rPr>
-              <a:t>1.</a:t>
-            </a:r>
-          </a:p>
-          <a:p>
-            <a:pPr marL="658368" lvl="1" indent="-246888" algn="just">
-              <a:spcBef>
-                <a:spcPts val="300"/>
-              </a:spcBef>
-            </a:pPr>
-            <a:r>
-              <a:rPr lang="en-GB" sz="800" dirty="0" smtClean="0">
-                <a:latin typeface="Arial" pitchFamily="34" charset="0"/>
-                <a:cs typeface="Arial" pitchFamily="34" charset="0"/>
-              </a:rPr>
-              <a:t>Conn </a:t>
-            </a:r>
-            <a:r>
-              <a:rPr lang="en-GB" sz="800" dirty="0">
-                <a:latin typeface="Arial" pitchFamily="34" charset="0"/>
-                <a:cs typeface="Arial" pitchFamily="34" charset="0"/>
-              </a:rPr>
-              <a:t>N, </a:t>
-            </a:r>
-            <a:r>
-              <a:rPr lang="en-GB" sz="800" dirty="0" err="1">
-                <a:latin typeface="Arial" pitchFamily="34" charset="0"/>
-                <a:cs typeface="Arial" pitchFamily="34" charset="0"/>
-              </a:rPr>
-              <a:t>McTear</a:t>
-            </a:r>
-            <a:r>
-              <a:rPr lang="en-GB" sz="800" dirty="0">
-                <a:latin typeface="Arial" pitchFamily="34" charset="0"/>
-                <a:cs typeface="Arial" pitchFamily="34" charset="0"/>
-              </a:rPr>
-              <a:t> M. </a:t>
-            </a:r>
-            <a:r>
-              <a:rPr lang="en-GB" sz="800" i="1" dirty="0">
-                <a:latin typeface="Arial" pitchFamily="34" charset="0"/>
-                <a:cs typeface="Arial" pitchFamily="34" charset="0"/>
-              </a:rPr>
-              <a:t>Speech Technology: </a:t>
-            </a:r>
-            <a:r>
-              <a:rPr lang="en-GB" sz="800" i="1" dirty="0" smtClean="0">
-                <a:latin typeface="Arial" pitchFamily="34" charset="0"/>
-                <a:cs typeface="Arial" pitchFamily="34" charset="0"/>
-              </a:rPr>
-              <a:t>A Solution for </a:t>
-            </a:r>
-            <a:r>
-              <a:rPr lang="en-GB" sz="800" i="1" dirty="0">
-                <a:latin typeface="Arial" pitchFamily="34" charset="0"/>
-                <a:cs typeface="Arial" pitchFamily="34" charset="0"/>
-              </a:rPr>
-              <a:t>People with Disabilities</a:t>
-            </a:r>
-            <a:r>
-              <a:rPr lang="en-GB" sz="800" dirty="0">
-                <a:latin typeface="Arial" pitchFamily="34" charset="0"/>
-                <a:cs typeface="Arial" pitchFamily="34" charset="0"/>
-              </a:rPr>
-              <a:t>. Faculty of </a:t>
-            </a:r>
-            <a:r>
-              <a:rPr lang="en-GB" sz="800" dirty="0" smtClean="0">
-                <a:latin typeface="Arial" pitchFamily="34" charset="0"/>
-                <a:cs typeface="Arial" pitchFamily="34" charset="0"/>
-              </a:rPr>
-              <a:t>Informatics</a:t>
-            </a:r>
-            <a:r>
-              <a:rPr lang="en-GB" sz="800" dirty="0">
-                <a:latin typeface="Arial" pitchFamily="34" charset="0"/>
-                <a:cs typeface="Arial" pitchFamily="34" charset="0"/>
-              </a:rPr>
-              <a:t>, </a:t>
-            </a:r>
-            <a:r>
-              <a:rPr lang="en-GB" sz="800" dirty="0" smtClean="0">
-                <a:latin typeface="Arial" pitchFamily="34" charset="0"/>
-                <a:cs typeface="Arial" pitchFamily="34" charset="0"/>
-              </a:rPr>
-              <a:t>University </a:t>
-            </a:r>
-            <a:r>
-              <a:rPr lang="en-GB" sz="800" dirty="0">
-                <a:latin typeface="Arial" pitchFamily="34" charset="0"/>
-                <a:cs typeface="Arial" pitchFamily="34" charset="0"/>
-              </a:rPr>
-              <a:t>of Ulster at </a:t>
-            </a:r>
-            <a:r>
-              <a:rPr lang="en-GB" sz="800" dirty="0" err="1" smtClean="0">
-                <a:latin typeface="Arial" pitchFamily="34" charset="0"/>
-                <a:cs typeface="Arial" pitchFamily="34" charset="0"/>
-              </a:rPr>
-              <a:t>Jordanstown</a:t>
-            </a:r>
-            <a:r>
-              <a:rPr lang="en-GB" sz="800" dirty="0" smtClean="0">
-                <a:latin typeface="Arial" pitchFamily="34" charset="0"/>
-                <a:cs typeface="Arial" pitchFamily="34" charset="0"/>
-              </a:rPr>
-              <a:t>, United Kingdom</a:t>
-            </a:r>
-            <a:r>
-              <a:rPr lang="en-GB" sz="800" dirty="0">
-                <a:latin typeface="Arial" pitchFamily="34" charset="0"/>
-                <a:cs typeface="Arial" pitchFamily="34" charset="0"/>
-              </a:rPr>
-              <a:t>, 2000 IEEE, pp 1.</a:t>
-            </a:r>
+            <a:r>
+              <a:rPr lang="en-ZA" sz="2500" dirty="0" smtClean="0"/>
+              <a:t>Eastman J. K., </a:t>
+            </a:r>
+            <a:r>
+              <a:rPr lang="en-ZA" sz="2500" dirty="0" err="1" smtClean="0"/>
+              <a:t>Iyer</a:t>
+            </a:r>
+            <a:r>
+              <a:rPr lang="en-ZA" sz="2500" dirty="0" smtClean="0"/>
+              <a:t> R. The Elderly uses and attitudes towards the Internet. Journal of Consumer Marketing, </a:t>
+            </a:r>
+            <a:r>
+              <a:rPr lang="en-ZA" sz="2500" dirty="0" err="1" smtClean="0"/>
+              <a:t>Vol</a:t>
+            </a:r>
+            <a:r>
+              <a:rPr lang="en-ZA" sz="2500" dirty="0" smtClean="0"/>
+              <a:t> 21 </a:t>
+            </a:r>
+            <a:r>
+              <a:rPr lang="en-ZA" sz="2500" dirty="0" err="1" smtClean="0"/>
+              <a:t>Iss</a:t>
+            </a:r>
+            <a:r>
+              <a:rPr lang="en-ZA" sz="2500" dirty="0" smtClean="0"/>
+              <a:t>: 3, 2004, pp208-208.</a:t>
+            </a:r>
+            <a:endParaRPr lang="en-US" sz="2500" dirty="0" smtClean="0">
+              <a:latin typeface="Arial" pitchFamily="34" charset="0"/>
+              <a:cs typeface="Arial" pitchFamily="34" charset="0"/>
+            </a:endParaRPr>
           </a:p>
           <a:p>
             <a:pPr marL="658368" lvl="1" indent="-246888">
@@ -23522,25 +23263,8 @@
                 <a:latin typeface="Arial" pitchFamily="34" charset="0"/>
                 <a:cs typeface="Arial" pitchFamily="34" charset="0"/>
               </a:rPr>
-              <a:t>Questions</a:t>
-            </a:r>
-            <a:r>
-              <a:rPr lang="en-US" sz="4400" b="1" dirty="0" smtClean="0">
-                <a:solidFill>
-                  <a:schemeClr val="accent2"/>
-                </a:solidFill>
-                <a:latin typeface="Arial" pitchFamily="34" charset="0"/>
-                <a:cs typeface="Arial" pitchFamily="34" charset="0"/>
-              </a:rPr>
-              <a:t>??</a:t>
-            </a:r>
-            <a:endParaRPr lang="en-US" sz="4400" b="1" dirty="0" smtClean="0">
-              <a:solidFill>
-                <a:schemeClr val="accent2"/>
-              </a:solidFill>
-              <a:latin typeface="Arial" pitchFamily="34" charset="0"/>
-              <a:cs typeface="Arial" pitchFamily="34" charset="0"/>
-            </a:endParaRPr>
+              <a:t>Questions??</a:t>
+            </a:r>
           </a:p>
         </p:txBody>
       </p:sp>
@@ -23735,7 +23459,28 @@
                 <a:latin typeface="Arial" pitchFamily="34" charset="0"/>
                 <a:cs typeface="Arial" pitchFamily="34" charset="0"/>
               </a:rPr>
-              <a:t>Why is 9% of the US population not using the internet?</a:t>
+              <a:t>Why is </a:t>
+            </a:r>
+            <a:r>
+              <a:rPr lang="en-ZA" sz="3200" dirty="0" smtClean="0">
+                <a:latin typeface="Arial" pitchFamily="34" charset="0"/>
+                <a:cs typeface="Arial" pitchFamily="34" charset="0"/>
+              </a:rPr>
+              <a:t>such a large </a:t>
+            </a:r>
+            <a:r>
+              <a:rPr lang="en-ZA" sz="3200" smtClean="0">
+                <a:latin typeface="Arial" pitchFamily="34" charset="0"/>
+                <a:cs typeface="Arial" pitchFamily="34" charset="0"/>
+              </a:rPr>
+              <a:t>portion of </a:t>
+            </a:r>
+            <a:r>
+              <a:rPr lang="en-ZA" sz="3200" dirty="0" smtClean="0">
+                <a:latin typeface="Arial" pitchFamily="34" charset="0"/>
+                <a:cs typeface="Arial" pitchFamily="34" charset="0"/>
+              </a:rPr>
+              <a:t>the US population not using the internet?</a:t>
             </a:r>
           </a:p>
           <a:p>
@@ -23817,260 +23562,42 @@
         </p:spPr>
         <p:txBody>
           <a:bodyPr vert="horz">
-            <a:normAutofit/>
+            <a:normAutofit fontScale="62500" lnSpcReduction="20000"/>
           </a:bodyPr>
           <a:lstStyle/>
           <a:p>
-            <a:pPr marL="658368" lvl="1" indent="-246888" algn="just">
-              <a:spcBef>
-                <a:spcPts val="300"/>
-              </a:spcBef>
-            </a:pPr>
-            <a:r>
-              <a:rPr lang="en-GB" sz="800" dirty="0" smtClean="0">
-                <a:latin typeface="Arial" pitchFamily="34" charset="0"/>
-                <a:cs typeface="Arial" pitchFamily="34" charset="0"/>
-              </a:rPr>
-              <a:t>Anderson </a:t>
-            </a:r>
-            <a:r>
-              <a:rPr lang="en-GB" sz="800" dirty="0">
-                <a:latin typeface="Arial" pitchFamily="34" charset="0"/>
-                <a:cs typeface="Arial" pitchFamily="34" charset="0"/>
-              </a:rPr>
-              <a:t>S, </a:t>
-            </a:r>
-            <a:r>
-              <a:rPr lang="en-GB" sz="800" dirty="0" err="1">
-                <a:latin typeface="Arial" pitchFamily="34" charset="0"/>
-                <a:cs typeface="Arial" pitchFamily="34" charset="0"/>
-              </a:rPr>
+            <a:r>
+              <a:rPr lang="en-ZA" dirty="0" smtClean="0"/>
+              <a:t>Anderson S. , </a:t>
+            </a:r>
+            <a:r>
+              <a:rPr lang="en-ZA" dirty="0" err="1" smtClean="0"/>
               <a:t>Liberman</a:t>
             </a:r>
             <a:r>
-              <a:rPr lang="en-GB" sz="800" dirty="0">
-                <a:latin typeface="Arial" pitchFamily="34" charset="0"/>
-                <a:cs typeface="Arial" pitchFamily="34" charset="0"/>
-              </a:rPr>
-              <a:t> N, Bernstein E, </a:t>
-            </a:r>
-            <a:r>
-              <a:rPr lang="en-GB" sz="800" dirty="0" smtClean="0">
-                <a:latin typeface="Arial" pitchFamily="34" charset="0"/>
-                <a:cs typeface="Arial" pitchFamily="34" charset="0"/>
-              </a:rPr>
-              <a:t>Foster S, </a:t>
-            </a:r>
-            <a:r>
-              <a:rPr lang="en-GB" sz="800" dirty="0" err="1" smtClean="0">
-                <a:latin typeface="Arial" pitchFamily="34" charset="0"/>
-                <a:cs typeface="Arial" pitchFamily="34" charset="0"/>
-              </a:rPr>
+              <a:rPr lang="en-ZA" dirty="0" smtClean="0"/>
+              <a:t> N., Bernstein E., Foster S., </a:t>
+            </a:r>
+            <a:r>
+              <a:rPr lang="en-ZA" dirty="0" err="1" smtClean="0"/>
               <a:t>Cate</a:t>
             </a:r>
             <a:r>
-              <a:rPr lang="en-GB" sz="800" dirty="0" smtClean="0">
-                <a:latin typeface="Arial" pitchFamily="34" charset="0"/>
-                <a:cs typeface="Arial" pitchFamily="34" charset="0"/>
-              </a:rPr>
-              <a:t> E</a:t>
-            </a:r>
-            <a:r>
-              <a:rPr lang="en-GB" sz="800" dirty="0">
-                <a:latin typeface="Arial" pitchFamily="34" charset="0"/>
-                <a:cs typeface="Arial" pitchFamily="34" charset="0"/>
-              </a:rPr>
-              <a:t>, Levin B. </a:t>
-            </a:r>
-            <a:r>
-              <a:rPr lang="en-GB" sz="800" i="1" dirty="0">
-                <a:latin typeface="Arial" pitchFamily="34" charset="0"/>
-                <a:cs typeface="Arial" pitchFamily="34" charset="0"/>
-              </a:rPr>
-              <a:t>Recognition of </a:t>
-            </a:r>
-            <a:r>
-              <a:rPr lang="en-GB" sz="800" i="1" dirty="0" smtClean="0">
-                <a:latin typeface="Arial" pitchFamily="34" charset="0"/>
-                <a:cs typeface="Arial" pitchFamily="34" charset="0"/>
-              </a:rPr>
-              <a:t>elderly speech </a:t>
-            </a:r>
-            <a:r>
-              <a:rPr lang="en-GB" sz="800" i="1" dirty="0">
-                <a:latin typeface="Arial" pitchFamily="34" charset="0"/>
-                <a:cs typeface="Arial" pitchFamily="34" charset="0"/>
-              </a:rPr>
-              <a:t>and </a:t>
-            </a:r>
-            <a:r>
-              <a:rPr lang="en-GB" sz="800" i="1" dirty="0" smtClean="0">
-                <a:latin typeface="Arial" pitchFamily="34" charset="0"/>
-                <a:cs typeface="Arial" pitchFamily="34" charset="0"/>
-              </a:rPr>
-              <a:t>   voice-driven </a:t>
-            </a:r>
-            <a:r>
-              <a:rPr lang="en-GB" sz="800" i="1" dirty="0">
-                <a:latin typeface="Arial" pitchFamily="34" charset="0"/>
-                <a:cs typeface="Arial" pitchFamily="34" charset="0"/>
-              </a:rPr>
-              <a:t>document </a:t>
-            </a:r>
-            <a:r>
-              <a:rPr lang="en-GB" sz="800" i="1" dirty="0" smtClean="0">
-                <a:latin typeface="Arial" pitchFamily="34" charset="0"/>
-                <a:cs typeface="Arial" pitchFamily="34" charset="0"/>
-              </a:rPr>
-              <a:t>retrieval.</a:t>
-            </a:r>
-            <a:r>
-              <a:rPr lang="en-GB" sz="800" dirty="0" smtClean="0">
-                <a:latin typeface="Arial" pitchFamily="34" charset="0"/>
-                <a:cs typeface="Arial" pitchFamily="34" charset="0"/>
-              </a:rPr>
-              <a:t> Dragon Systems, Inc</a:t>
-            </a:r>
-            <a:r>
-              <a:rPr lang="en-GB" sz="800" dirty="0">
-                <a:latin typeface="Arial" pitchFamily="34" charset="0"/>
-                <a:cs typeface="Arial" pitchFamily="34" charset="0"/>
-              </a:rPr>
-              <a:t>, </a:t>
-            </a:r>
-            <a:r>
-              <a:rPr lang="en-GB" sz="800" dirty="0" smtClean="0">
-                <a:latin typeface="Arial" pitchFamily="34" charset="0"/>
-                <a:cs typeface="Arial" pitchFamily="34" charset="0"/>
-              </a:rPr>
-              <a:t>1999 IEEE</a:t>
-            </a:r>
-            <a:r>
-              <a:rPr lang="en-GB" sz="800" dirty="0">
-                <a:latin typeface="Arial" pitchFamily="34" charset="0"/>
-                <a:cs typeface="Arial" pitchFamily="34" charset="0"/>
-              </a:rPr>
-              <a:t>, pp </a:t>
-            </a:r>
-            <a:r>
-              <a:rPr lang="en-GB" sz="800" dirty="0" smtClean="0">
-                <a:latin typeface="Arial" pitchFamily="34" charset="0"/>
-                <a:cs typeface="Arial" pitchFamily="34" charset="0"/>
-              </a:rPr>
-              <a:t>1.</a:t>
-            </a:r>
-          </a:p>
-          <a:p>
-            <a:pPr marL="658368" lvl="1" indent="-246888" algn="just">
-              <a:spcBef>
-                <a:spcPts val="300"/>
-              </a:spcBef>
-            </a:pPr>
-            <a:r>
-              <a:rPr lang="en-GB" sz="800" dirty="0" smtClean="0">
-                <a:latin typeface="Arial" pitchFamily="34" charset="0"/>
-                <a:cs typeface="Arial" pitchFamily="34" charset="0"/>
-              </a:rPr>
-              <a:t>Conn </a:t>
-            </a:r>
-            <a:r>
-              <a:rPr lang="en-GB" sz="800" dirty="0">
-                <a:latin typeface="Arial" pitchFamily="34" charset="0"/>
-                <a:cs typeface="Arial" pitchFamily="34" charset="0"/>
-              </a:rPr>
-              <a:t>N, </a:t>
-            </a:r>
-            <a:r>
-              <a:rPr lang="en-GB" sz="800" dirty="0" err="1">
-                <a:latin typeface="Arial" pitchFamily="34" charset="0"/>
-                <a:cs typeface="Arial" pitchFamily="34" charset="0"/>
-              </a:rPr>
-              <a:t>McTear</a:t>
-            </a:r>
-            <a:r>
-              <a:rPr lang="en-GB" sz="800" dirty="0">
-                <a:latin typeface="Arial" pitchFamily="34" charset="0"/>
-                <a:cs typeface="Arial" pitchFamily="34" charset="0"/>
-              </a:rPr>
-              <a:t> M. </a:t>
-            </a:r>
-            <a:r>
-              <a:rPr lang="en-GB" sz="800" i="1" dirty="0">
-                <a:latin typeface="Arial" pitchFamily="34" charset="0"/>
-                <a:cs typeface="Arial" pitchFamily="34" charset="0"/>
-              </a:rPr>
-              <a:t>Speech Technology: </a:t>
-            </a:r>
-            <a:r>
-              <a:rPr lang="en-GB" sz="800" i="1" dirty="0" smtClean="0">
-                <a:latin typeface="Arial" pitchFamily="34" charset="0"/>
-                <a:cs typeface="Arial" pitchFamily="34" charset="0"/>
-              </a:rPr>
-              <a:t>A Solution for </a:t>
-            </a:r>
-            <a:r>
-              <a:rPr lang="en-GB" sz="800" i="1" dirty="0">
-                <a:latin typeface="Arial" pitchFamily="34" charset="0"/>
-                <a:cs typeface="Arial" pitchFamily="34" charset="0"/>
-              </a:rPr>
-              <a:t>People with Disabilities</a:t>
-            </a:r>
-            <a:r>
-              <a:rPr lang="en-GB" sz="800" dirty="0">
-                <a:latin typeface="Arial" pitchFamily="34" charset="0"/>
-                <a:cs typeface="Arial" pitchFamily="34" charset="0"/>
-              </a:rPr>
-              <a:t>. Faculty of </a:t>
-            </a:r>
-            <a:r>
-              <a:rPr lang="en-GB" sz="800" dirty="0" smtClean="0">
-                <a:latin typeface="Arial" pitchFamily="34" charset="0"/>
-                <a:cs typeface="Arial" pitchFamily="34" charset="0"/>
-              </a:rPr>
-              <a:t>Informatics</a:t>
-            </a:r>
-            <a:r>
-              <a:rPr lang="en-GB" sz="800" dirty="0">
-                <a:latin typeface="Arial" pitchFamily="34" charset="0"/>
-                <a:cs typeface="Arial" pitchFamily="34" charset="0"/>
-              </a:rPr>
-              <a:t>, </a:t>
-            </a:r>
-            <a:r>
-              <a:rPr lang="en-GB" sz="800" dirty="0" smtClean="0">
-                <a:latin typeface="Arial" pitchFamily="34" charset="0"/>
-                <a:cs typeface="Arial" pitchFamily="34" charset="0"/>
-              </a:rPr>
-              <a:t>University </a:t>
-            </a:r>
-            <a:r>
-              <a:rPr lang="en-GB" sz="800" dirty="0">
-                <a:latin typeface="Arial" pitchFamily="34" charset="0"/>
-                <a:cs typeface="Arial" pitchFamily="34" charset="0"/>
-              </a:rPr>
-              <a:t>of Ulster at </a:t>
-            </a:r>
-            <a:r>
-              <a:rPr lang="en-GB" sz="800" dirty="0" err="1" smtClean="0">
-                <a:latin typeface="Arial" pitchFamily="34" charset="0"/>
-                <a:cs typeface="Arial" pitchFamily="34" charset="0"/>
-              </a:rPr>
-              <a:t>Jordanstown</a:t>
-            </a:r>
-            <a:r>
-              <a:rPr lang="en-GB" sz="800" dirty="0" smtClean="0">
-                <a:latin typeface="Arial" pitchFamily="34" charset="0"/>
-                <a:cs typeface="Arial" pitchFamily="34" charset="0"/>
-              </a:rPr>
-              <a:t>, United Kingdom</a:t>
-            </a:r>
-            <a:r>
-              <a:rPr lang="en-GB" sz="800" dirty="0">
-                <a:latin typeface="Arial" pitchFamily="34" charset="0"/>
-                <a:cs typeface="Arial" pitchFamily="34" charset="0"/>
-              </a:rPr>
-              <a:t>, 2000 IEEE, pp 1.</a:t>
-            </a:r>
+              <a:rPr lang="en-ZA" dirty="0" smtClean="0"/>
+              <a:t> E., Levin B. Recognition of Elderly Speech and Voice-driven Document Retrieval. IEEE. </a:t>
+            </a:r>
+            <a:r>
+              <a:rPr lang="en-ZA" dirty="0" err="1" smtClean="0"/>
+              <a:t>Vol</a:t>
+            </a:r>
+            <a:r>
+              <a:rPr lang="en-ZA" dirty="0" smtClean="0"/>
+              <a:t> 1, 1999.</a:t>
+            </a:r>
+            <a:endParaRPr lang="en-US" sz="6000" dirty="0" smtClean="0">
+              <a:latin typeface="Arial" pitchFamily="34" charset="0"/>
+              <a:cs typeface="Arial" pitchFamily="34" charset="0"/>
+            </a:endParaRPr>
           </a:p>
           <a:p>
             <a:pPr marL="658368" lvl="1" indent="-246888">
@@ -24917,21 +24444,7 @@
                 <a:latin typeface="Arial" pitchFamily="34" charset="0"/>
                 <a:cs typeface="Arial" pitchFamily="34" charset="0"/>
               </a:rPr>
-              <a:t>  </a:t>
-            </a:r>
-            <a:r>
-              <a:rPr lang="en-US" sz="3200" dirty="0" smtClean="0">
-                <a:latin typeface="Arial" pitchFamily="34" charset="0"/>
-                <a:cs typeface="Arial" pitchFamily="34" charset="0"/>
-              </a:rPr>
-              <a:t> referencing </a:t>
-            </a:r>
-            <a:r>
-              <a:rPr lang="en-US" sz="3200" dirty="0" smtClean="0">
-                <a:latin typeface="Arial" pitchFamily="34" charset="0"/>
-                <a:cs typeface="Arial" pitchFamily="34" charset="0"/>
-              </a:rPr>
-              <a:t>techniques:</a:t>
+              <a:t>   referencing techniques:</a:t>
             </a:r>
           </a:p>
           <a:p>
